--- a/powerpoint/Session2.pptx
+++ b/powerpoint/Session2.pptx
@@ -224,7 +224,7 @@
           <a:p>
             <a:fld id="{76288271-110E-284E-BDF5-E46245F1FF69}" type="datetimeFigureOut">
               <a:rPr lang="en-US" smtClean="0"/>
-              <a:t>5/14/25</a:t>
+              <a:t>1/27/26</a:t>
             </a:fld>
             <a:endParaRPr lang="en-US"/>
           </a:p>
@@ -623,10 +623,7 @@
           <a:bodyPr/>
           <a:lstStyle/>
           <a:p>
-            <a:r>
-              <a:rPr lang="en-US" dirty="0"/>
-              <a:t>A Boolean expression is an expression used in programming that produces a Boolean value when evaluated, being Boolean values true or false</a:t>
-            </a:r>
+            <a:endParaRPr lang="en-US" dirty="0"/>
           </a:p>
         </p:txBody>
       </p:sp>
@@ -710,10 +707,7 @@
           <a:bodyPr/>
           <a:lstStyle/>
           <a:p>
-            <a:r>
-              <a:rPr lang="en-US" dirty="0"/>
-              <a:t>A Boolean expression is an expression used in programming that produces a Boolean value when evaluated, being Boolean values true or false</a:t>
-            </a:r>
+            <a:endParaRPr lang="en-US" dirty="0"/>
           </a:p>
         </p:txBody>
       </p:sp>
@@ -4565,7 +4559,7 @@
           <a:p>
             <a:fld id="{AF87509E-A8CC-7D4A-9558-F93678A4FBA3}" type="datetimeFigureOut">
               <a:rPr lang="en-US" smtClean="0"/>
-              <a:t>5/14/25</a:t>
+              <a:t>1/27/26</a:t>
             </a:fld>
             <a:endParaRPr lang="en-US"/>
           </a:p>
@@ -12889,7 +12883,7 @@
                 <a:latin typeface="Calibri"/>
                 <a:ea typeface="DejaVu Sans"/>
               </a:rPr>
-              <a:t> &amp; Cristian</a:t>
+              <a:t> &amp; Wojciech</a:t>
             </a:r>
             <a:endParaRPr lang="en-GB" sz="3200" b="0" strike="noStrike" spc="-1" dirty="0">
               <a:latin typeface="Arial"/>
@@ -12908,6 +12902,16 @@
               </a:tabLst>
             </a:pPr>
             <a:r>
+              <a:rPr lang="en-US" sz="3200" b="0" strike="noStrike" spc="-1">
+                <a:solidFill>
+                  <a:srgbClr val="8B8B8B"/>
+                </a:solidFill>
+                <a:latin typeface="Calibri"/>
+                <a:ea typeface="DejaVu Sans"/>
+              </a:rPr>
+              <a:t>Trinity </a:t>
+            </a:r>
+            <a:r>
               <a:rPr lang="en-US" sz="3200" b="0" strike="noStrike" spc="-1" dirty="0">
                 <a:solidFill>
                   <a:srgbClr val="8B8B8B"/>
@@ -12915,7 +12919,7 @@
                 <a:latin typeface="Calibri"/>
                 <a:ea typeface="DejaVu Sans"/>
               </a:rPr>
-              <a:t>Trinity 2025</a:t>
+              <a:t>2026</a:t>
             </a:r>
             <a:endParaRPr lang="en-GB" sz="3200" b="0" strike="noStrike" spc="-1" dirty="0">
               <a:latin typeface="Arial"/>
@@ -18898,7 +18902,7 @@
                 <a:latin typeface="Calibri"/>
                 <a:ea typeface="DejaVu Sans"/>
               </a:rPr>
-              <a:t> &amp; Cristian</a:t>
+              <a:t> &amp; Wojciech</a:t>
             </a:r>
             <a:endParaRPr lang="en-GB" sz="3200" b="0" strike="noStrike" spc="-1" dirty="0">
               <a:latin typeface="Arial"/>
@@ -18924,7 +18928,7 @@
                 <a:latin typeface="Calibri"/>
                 <a:ea typeface="DejaVu Sans"/>
               </a:rPr>
-              <a:t>Trinity 2025</a:t>
+              <a:t>Trinity 2026</a:t>
             </a:r>
             <a:endParaRPr lang="en-GB" sz="3200" b="0" strike="noStrike" spc="-1" dirty="0">
               <a:latin typeface="Arial"/>

--- a/powerpoint/Session2.pptx
+++ b/powerpoint/Session2.pptx
@@ -224,7 +224,7 @@
           <a:p>
             <a:fld id="{76288271-110E-284E-BDF5-E46245F1FF69}" type="datetimeFigureOut">
               <a:rPr lang="en-US" smtClean="0"/>
-              <a:t>1/27/26</a:t>
+              <a:t>2/1/26</a:t>
             </a:fld>
             <a:endParaRPr lang="en-US"/>
           </a:p>
@@ -4559,7 +4559,7 @@
           <a:p>
             <a:fld id="{AF87509E-A8CC-7D4A-9558-F93678A4FBA3}" type="datetimeFigureOut">
               <a:rPr lang="en-US" smtClean="0"/>
-              <a:t>1/27/26</a:t>
+              <a:t>2/1/26</a:t>
             </a:fld>
             <a:endParaRPr lang="en-US"/>
           </a:p>
@@ -12902,16 +12902,6 @@
               </a:tabLst>
             </a:pPr>
             <a:r>
-              <a:rPr lang="en-US" sz="3200" b="0" strike="noStrike" spc="-1">
-                <a:solidFill>
-                  <a:srgbClr val="8B8B8B"/>
-                </a:solidFill>
-                <a:latin typeface="Calibri"/>
-                <a:ea typeface="DejaVu Sans"/>
-              </a:rPr>
-              <a:t>Trinity </a:t>
-            </a:r>
-            <a:r>
               <a:rPr lang="en-US" sz="3200" b="0" strike="noStrike" spc="-1" dirty="0">
                 <a:solidFill>
                   <a:srgbClr val="8B8B8B"/>
@@ -12919,7 +12909,7 @@
                 <a:latin typeface="Calibri"/>
                 <a:ea typeface="DejaVu Sans"/>
               </a:rPr>
-              <a:t>2026</a:t>
+              <a:t>Hilary 2026</a:t>
             </a:r>
             <a:endParaRPr lang="en-GB" sz="3200" b="0" strike="noStrike" spc="-1" dirty="0">
               <a:latin typeface="Arial"/>
@@ -18928,7 +18918,7 @@
                 <a:latin typeface="Calibri"/>
                 <a:ea typeface="DejaVu Sans"/>
               </a:rPr>
-              <a:t>Trinity 2026</a:t>
+              <a:t>Hilary 2026</a:t>
             </a:r>
             <a:endParaRPr lang="en-GB" sz="3200" b="0" strike="noStrike" spc="-1" dirty="0">
               <a:latin typeface="Arial"/>

--- a/powerpoint/Session2.pptx
+++ b/powerpoint/Session2.pptx
@@ -536,10 +536,7 @@
           <a:bodyPr/>
           <a:lstStyle/>
           <a:p>
-            <a:r>
-              <a:rPr lang="en-US" dirty="0"/>
-              <a:t>A Boolean expression is an expression used in programming that produces a Boolean value when evaluated, being Boolean values true or false</a:t>
-            </a:r>
+            <a:endParaRPr lang="en-US" dirty="0"/>
           </a:p>
         </p:txBody>
       </p:sp>
